--- a/Formular.pptx
+++ b/Formular.pptx
@@ -5890,7 +5890,7 @@
           <a:p>
             <a:r>
               <a:rPr lang="en-US" b="1" dirty="0" err="1"/>
-              <a:t>Securitatea</a:t>
+              <a:t>Îmbunătățirea</a:t>
             </a:r>
             <a:r>
               <a:rPr lang="en-US" b="1" dirty="0"/>
@@ -5898,7 +5898,7 @@
             </a:r>
             <a:r>
               <a:rPr lang="en-US" b="1" dirty="0" err="1"/>
-              <a:t>rețelei</a:t>
+              <a:t>reputației</a:t>
             </a:r>
             <a:r>
               <a:rPr lang="en-US" b="1" dirty="0"/>
@@ -5910,47 +5910,31 @@
             </a:r>
             <a:r>
               <a:rPr lang="en-US" dirty="0" err="1"/>
-              <a:t>Implementarea</a:t>
-            </a:r>
-            <a:r>
-              <a:rPr lang="en-US" dirty="0"/>
-              <a:t> de </a:t>
-            </a:r>
-            <a:r>
-              <a:rPr lang="en-US" dirty="0" err="1"/>
-              <a:t>măsuri</a:t>
-            </a:r>
-            <a:r>
-              <a:rPr lang="en-US" dirty="0"/>
-              <a:t> de </a:t>
-            </a:r>
-            <a:r>
-              <a:rPr lang="en-US" dirty="0" err="1"/>
-              <a:t>protecție</a:t>
-            </a:r>
-            <a:r>
-              <a:rPr lang="en-US" dirty="0"/>
-              <a:t> a </a:t>
-            </a:r>
-            <a:r>
-              <a:rPr lang="en-US" dirty="0" err="1"/>
-              <a:t>rețelei</a:t>
-            </a:r>
-            <a:r>
-              <a:rPr lang="en-US" dirty="0"/>
-              <a:t>, cum </a:t>
-            </a:r>
-            <a:r>
-              <a:rPr lang="en-US" dirty="0" err="1"/>
-              <a:t>ar</a:t>
-            </a:r>
-            <a:r>
-              <a:rPr lang="en-US" dirty="0"/>
-              <a:t> fi firewall-</a:t>
-            </a:r>
-            <a:r>
-              <a:rPr lang="en-US" dirty="0" err="1"/>
-              <a:t>uri</a:t>
+              <a:t>Demonstrarea</a:t>
+            </a:r>
+            <a:r>
+              <a:rPr lang="en-US" dirty="0"/>
+              <a:t> </a:t>
+            </a:r>
+            <a:r>
+              <a:rPr lang="en-US" dirty="0" err="1"/>
+              <a:t>angajamentului</a:t>
+            </a:r>
+            <a:r>
+              <a:rPr lang="en-US" dirty="0"/>
+              <a:t> de a </a:t>
+            </a:r>
+            <a:r>
+              <a:rPr lang="en-US" dirty="0" err="1"/>
+              <a:t>proteja</a:t>
+            </a:r>
+            <a:r>
+              <a:rPr lang="en-US" dirty="0"/>
+              <a:t> </a:t>
+            </a:r>
+            <a:r>
+              <a:rPr lang="en-US" dirty="0" err="1"/>
+              <a:t>datele</a:t>
             </a:r>
             <a:r>
               <a:rPr lang="en-US" dirty="0"/>
@@ -5966,23 +5950,7 @@
             </a:r>
             <a:r>
               <a:rPr lang="en-US" dirty="0" err="1"/>
-              <a:t>sisteme</a:t>
-            </a:r>
-            <a:r>
-              <a:rPr lang="en-US" dirty="0"/>
-              <a:t> de </a:t>
-            </a:r>
-            <a:r>
-              <a:rPr lang="en-US" dirty="0" err="1"/>
-              <a:t>detectare</a:t>
-            </a:r>
-            <a:r>
-              <a:rPr lang="en-US" dirty="0"/>
-              <a:t> a </a:t>
-            </a:r>
-            <a:r>
-              <a:rPr lang="en-US" dirty="0" err="1"/>
-              <a:t>intruziunilor</a:t>
+              <a:t>infrastructura</a:t>
             </a:r>
             <a:r>
               <a:rPr lang="en-US" dirty="0"/>
@@ -6050,13 +6018,13 @@
   <p:clrMapOvr>
     <a:masterClrMapping/>
   </p:clrMapOvr>
-  <mc:AlternateContent xmlns:mc="http://schemas.openxmlformats.org/markup-compatibility/2006">
-    <mc:Choice xmlns:p14="http://schemas.microsoft.com/office/powerpoint/2010/main" Requires="p14">
+  <mc:AlternateContent xmlns:mc="http://schemas.openxmlformats.org/markup-compatibility/2006" xmlns:p14="http://schemas.microsoft.com/office/powerpoint/2010/main">
+    <mc:Choice Requires="p14">
       <p:transition spd="med" p14:dur="700">
         <p:fade/>
       </p:transition>
     </mc:Choice>
-    <mc:Fallback>
+    <mc:Fallback xmlns="">
       <p:transition spd="med">
         <p:fade/>
       </p:transition>
@@ -6486,13 +6454,13 @@
   <p:clrMapOvr>
     <a:masterClrMapping/>
   </p:clrMapOvr>
-  <mc:AlternateContent xmlns:mc="http://schemas.openxmlformats.org/markup-compatibility/2006">
-    <mc:Choice xmlns:p14="http://schemas.microsoft.com/office/powerpoint/2010/main" Requires="p14">
+  <mc:AlternateContent xmlns:mc="http://schemas.openxmlformats.org/markup-compatibility/2006" xmlns:p14="http://schemas.microsoft.com/office/powerpoint/2010/main">
+    <mc:Choice Requires="p14">
       <p:transition spd="med" p14:dur="700">
         <p:fade/>
       </p:transition>
     </mc:Choice>
-    <mc:Fallback>
+    <mc:Fallback xmlns="">
       <p:transition spd="med">
         <p:fade/>
       </p:transition>
